--- a/Applied Data Science - KNN.pptx
+++ b/Applied Data Science - KNN.pptx
@@ -5,22 +5,23 @@
     <p:sldMasterId id="2147483833" r:id="rId1"/>
   </p:sldMasterIdLst>
   <p:notesMasterIdLst>
-    <p:notesMasterId r:id="rId15"/>
+    <p:notesMasterId r:id="rId16"/>
   </p:notesMasterIdLst>
   <p:sldIdLst>
     <p:sldId id="256" r:id="rId2"/>
     <p:sldId id="262" r:id="rId3"/>
     <p:sldId id="268" r:id="rId4"/>
-    <p:sldId id="258" r:id="rId5"/>
-    <p:sldId id="260" r:id="rId6"/>
-    <p:sldId id="257" r:id="rId7"/>
-    <p:sldId id="267" r:id="rId8"/>
-    <p:sldId id="261" r:id="rId9"/>
-    <p:sldId id="263" r:id="rId10"/>
-    <p:sldId id="264" r:id="rId11"/>
-    <p:sldId id="265" r:id="rId12"/>
-    <p:sldId id="266" r:id="rId13"/>
-    <p:sldId id="259" r:id="rId14"/>
+    <p:sldId id="269" r:id="rId5"/>
+    <p:sldId id="258" r:id="rId6"/>
+    <p:sldId id="260" r:id="rId7"/>
+    <p:sldId id="257" r:id="rId8"/>
+    <p:sldId id="267" r:id="rId9"/>
+    <p:sldId id="261" r:id="rId10"/>
+    <p:sldId id="263" r:id="rId11"/>
+    <p:sldId id="264" r:id="rId12"/>
+    <p:sldId id="265" r:id="rId13"/>
+    <p:sldId id="266" r:id="rId14"/>
+    <p:sldId id="259" r:id="rId15"/>
   </p:sldIdLst>
   <p:sldSz cx="12192000" cy="6858000"/>
   <p:notesSz cx="6858000" cy="9144000"/>
@@ -209,7 +210,7 @@
           <a:p>
             <a:fld id="{F1D2C95C-E6C5-47EE-A945-EBB416EE6C3F}" type="datetimeFigureOut">
               <a:rPr lang="en-US" smtClean="0"/>
-              <a:t>5/10/2017</a:t>
+              <a:t>5/16/2017</a:t>
             </a:fld>
             <a:endParaRPr lang="en-US"/>
           </a:p>
@@ -789,7 +790,7 @@
           <a:p>
             <a:fld id="{EF941387-0482-4AF6-9996-23A3E24C4593}" type="slidenum">
               <a:rPr lang="en-US" smtClean="0"/>
-              <a:t>7</a:t>
+              <a:t>8</a:t>
             </a:fld>
             <a:endParaRPr lang="en-US"/>
           </a:p>
@@ -916,7 +917,7 @@
           <a:p>
             <a:fld id="{EF941387-0482-4AF6-9996-23A3E24C4593}" type="slidenum">
               <a:rPr lang="en-US" smtClean="0"/>
-              <a:t>8</a:t>
+              <a:t>9</a:t>
             </a:fld>
             <a:endParaRPr lang="en-US"/>
           </a:p>
@@ -1087,7 +1088,7 @@
           <a:p>
             <a:fld id="{BF4D7DE9-04F8-4F0B-A692-02FE1DAE9F6D}" type="datetimeFigureOut">
               <a:rPr lang="en-US" smtClean="0"/>
-              <a:t>5/10/2017</a:t>
+              <a:t>5/16/2017</a:t>
             </a:fld>
             <a:endParaRPr lang="en-US"/>
           </a:p>
@@ -1472,7 +1473,7 @@
           <a:p>
             <a:fld id="{BF4D7DE9-04F8-4F0B-A692-02FE1DAE9F6D}" type="datetimeFigureOut">
               <a:rPr lang="en-US" smtClean="0"/>
-              <a:t>5/10/2017</a:t>
+              <a:t>5/16/2017</a:t>
             </a:fld>
             <a:endParaRPr lang="en-US"/>
           </a:p>
@@ -1757,7 +1758,7 @@
           <a:p>
             <a:fld id="{BF4D7DE9-04F8-4F0B-A692-02FE1DAE9F6D}" type="datetimeFigureOut">
               <a:rPr lang="en-US" smtClean="0"/>
-              <a:t>5/10/2017</a:t>
+              <a:t>5/16/2017</a:t>
             </a:fld>
             <a:endParaRPr lang="en-US"/>
           </a:p>
@@ -1962,7 +1963,7 @@
           <a:p>
             <a:fld id="{BF4D7DE9-04F8-4F0B-A692-02FE1DAE9F6D}" type="datetimeFigureOut">
               <a:rPr lang="en-US" smtClean="0"/>
-              <a:t>5/10/2017</a:t>
+              <a:t>5/16/2017</a:t>
             </a:fld>
             <a:endParaRPr lang="en-US"/>
           </a:p>
@@ -2142,7 +2143,7 @@
           <a:p>
             <a:fld id="{BF4D7DE9-04F8-4F0B-A692-02FE1DAE9F6D}" type="datetimeFigureOut">
               <a:rPr lang="en-US" smtClean="0"/>
-              <a:t>5/10/2017</a:t>
+              <a:t>5/16/2017</a:t>
             </a:fld>
             <a:endParaRPr lang="en-US"/>
           </a:p>
@@ -2373,7 +2374,7 @@
           <a:p>
             <a:fld id="{BF4D7DE9-04F8-4F0B-A692-02FE1DAE9F6D}" type="datetimeFigureOut">
               <a:rPr lang="en-US" smtClean="0"/>
-              <a:t>5/10/2017</a:t>
+              <a:t>5/16/2017</a:t>
             </a:fld>
             <a:endParaRPr lang="en-US"/>
           </a:p>
@@ -2581,7 +2582,7 @@
           <a:p>
             <a:fld id="{BF4D7DE9-04F8-4F0B-A692-02FE1DAE9F6D}" type="datetimeFigureOut">
               <a:rPr lang="en-US" smtClean="0"/>
-              <a:t>5/10/2017</a:t>
+              <a:t>5/16/2017</a:t>
             </a:fld>
             <a:endParaRPr lang="en-US"/>
           </a:p>
@@ -2928,7 +2929,7 @@
           <a:p>
             <a:fld id="{BF4D7DE9-04F8-4F0B-A692-02FE1DAE9F6D}" type="datetimeFigureOut">
               <a:rPr lang="en-US" smtClean="0"/>
-              <a:t>5/10/2017</a:t>
+              <a:t>5/16/2017</a:t>
             </a:fld>
             <a:endParaRPr lang="en-US"/>
           </a:p>
@@ -3307,7 +3308,7 @@
           <a:p>
             <a:fld id="{BF4D7DE9-04F8-4F0B-A692-02FE1DAE9F6D}" type="datetimeFigureOut">
               <a:rPr lang="en-US" smtClean="0"/>
-              <a:t>5/10/2017</a:t>
+              <a:t>5/16/2017</a:t>
             </a:fld>
             <a:endParaRPr lang="en-US"/>
           </a:p>
@@ -3764,7 +3765,7 @@
           <a:p>
             <a:fld id="{BF4D7DE9-04F8-4F0B-A692-02FE1DAE9F6D}" type="datetimeFigureOut">
               <a:rPr lang="en-US" smtClean="0"/>
-              <a:t>5/10/2017</a:t>
+              <a:t>5/16/2017</a:t>
             </a:fld>
             <a:endParaRPr lang="en-US"/>
           </a:p>
@@ -3889,7 +3890,7 @@
           <a:p>
             <a:fld id="{BF4D7DE9-04F8-4F0B-A692-02FE1DAE9F6D}" type="datetimeFigureOut">
               <a:rPr lang="en-US" smtClean="0"/>
-              <a:t>5/10/2017</a:t>
+              <a:t>5/16/2017</a:t>
             </a:fld>
             <a:endParaRPr lang="en-US"/>
           </a:p>
@@ -3991,7 +3992,7 @@
           <a:p>
             <a:fld id="{BF4D7DE9-04F8-4F0B-A692-02FE1DAE9F6D}" type="datetimeFigureOut">
               <a:rPr lang="en-US" smtClean="0"/>
-              <a:t>5/10/2017</a:t>
+              <a:t>5/16/2017</a:t>
             </a:fld>
             <a:endParaRPr lang="en-US"/>
           </a:p>
@@ -4091,7 +4092,7 @@
           <a:p>
             <a:fld id="{BF4D7DE9-04F8-4F0B-A692-02FE1DAE9F6D}" type="datetimeFigureOut">
               <a:rPr lang="en-US" smtClean="0"/>
-              <a:t>5/10/2017</a:t>
+              <a:t>5/16/2017</a:t>
             </a:fld>
             <a:endParaRPr lang="en-US"/>
           </a:p>
@@ -4394,7 +4395,7 @@
           <a:p>
             <a:fld id="{BF4D7DE9-04F8-4F0B-A692-02FE1DAE9F6D}" type="datetimeFigureOut">
               <a:rPr lang="en-US" smtClean="0"/>
-              <a:t>5/10/2017</a:t>
+              <a:t>5/16/2017</a:t>
             </a:fld>
             <a:endParaRPr lang="en-US"/>
           </a:p>
@@ -5040,6 +5041,138 @@
       </p:grpSpPr>
       <p:sp>
         <p:nvSpPr>
+          <p:cNvPr id="5" name="Title 4"/>
+          <p:cNvSpPr>
+            <a:spLocks noGrp="1"/>
+          </p:cNvSpPr>
+          <p:nvPr>
+            <p:ph type="title"/>
+          </p:nvPr>
+        </p:nvSpPr>
+        <p:spPr/>
+        <p:txBody>
+          <a:bodyPr/>
+          <a:lstStyle/>
+          <a:p>
+            <a:r>
+              <a:rPr lang="en-US" dirty="0" smtClean="0"/>
+              <a:t>Training And Test Errors</a:t>
+            </a:r>
+            <a:endParaRPr lang="he-IL" dirty="0"/>
+          </a:p>
+        </p:txBody>
+      </p:sp>
+      <p:pic>
+        <p:nvPicPr>
+          <p:cNvPr id="4" name="Content Placeholder 3"/>
+          <p:cNvPicPr>
+            <a:picLocks noGrp="1" noChangeAspect="1"/>
+          </p:cNvPicPr>
+          <p:nvPr>
+            <p:ph idx="1"/>
+          </p:nvPr>
+        </p:nvPicPr>
+        <p:blipFill>
+          <a:blip r:embed="rId2"/>
+          <a:stretch>
+            <a:fillRect/>
+          </a:stretch>
+        </p:blipFill>
+        <p:spPr>
+          <a:xfrm>
+            <a:off x="5715000" y="171051"/>
+            <a:ext cx="5678488" cy="4375492"/>
+          </a:xfrm>
+          <a:prstGeom prst="rect">
+            <a:avLst/>
+          </a:prstGeom>
+        </p:spPr>
+      </p:pic>
+      <p:pic>
+        <p:nvPicPr>
+          <p:cNvPr id="7" name="Picture 6"/>
+          <p:cNvPicPr>
+            <a:picLocks noChangeAspect="1"/>
+          </p:cNvPicPr>
+          <p:nvPr/>
+        </p:nvPicPr>
+        <p:blipFill>
+          <a:blip r:embed="rId3"/>
+          <a:stretch>
+            <a:fillRect/>
+          </a:stretch>
+        </p:blipFill>
+        <p:spPr>
+          <a:xfrm>
+            <a:off x="914400" y="4735286"/>
+            <a:ext cx="7448550" cy="1409700"/>
+          </a:xfrm>
+          <a:prstGeom prst="rect">
+            <a:avLst/>
+          </a:prstGeom>
+        </p:spPr>
+      </p:pic>
+      <p:sp>
+        <p:nvSpPr>
+          <p:cNvPr id="6" name="Text Placeholder 5"/>
+          <p:cNvSpPr>
+            <a:spLocks noGrp="1"/>
+          </p:cNvSpPr>
+          <p:nvPr>
+            <p:ph type="body" sz="half" idx="2"/>
+          </p:nvPr>
+        </p:nvSpPr>
+        <p:spPr/>
+        <p:txBody>
+          <a:bodyPr/>
+          <a:lstStyle/>
+          <a:p>
+            <a:r>
+              <a:rPr lang="en-US" dirty="0" smtClean="0"/>
+              <a:t>This pattern is a common pattern for Machine Learning algorithms.</a:t>
+            </a:r>
+          </a:p>
+          <a:p>
+            <a:r>
+              <a:rPr lang="en-US" dirty="0" smtClean="0"/>
+              <a:t>Can you explain the patterns?</a:t>
+            </a:r>
+            <a:endParaRPr lang="he-IL" dirty="0"/>
+          </a:p>
+        </p:txBody>
+      </p:sp>
+    </p:spTree>
+    <p:extLst>
+      <p:ext uri="{BB962C8B-B14F-4D97-AF65-F5344CB8AC3E}">
+        <p14:creationId xmlns:p14="http://schemas.microsoft.com/office/powerpoint/2010/main" val="1773469882"/>
+      </p:ext>
+    </p:extLst>
+  </p:cSld>
+  <p:clrMapOvr>
+    <a:masterClrMapping/>
+  </p:clrMapOvr>
+</p:sld>
+</file>
+
+<file path=ppt/slides/slide11.xml><?xml version="1.0" encoding="utf-8"?>
+<p:sld xmlns:a="http://schemas.openxmlformats.org/drawingml/2006/main" xmlns:r="http://schemas.openxmlformats.org/officeDocument/2006/relationships" xmlns:p="http://schemas.openxmlformats.org/presentationml/2006/main">
+  <p:cSld>
+    <p:spTree>
+      <p:nvGrpSpPr>
+        <p:cNvPr id="1" name=""/>
+        <p:cNvGrpSpPr/>
+        <p:nvPr/>
+      </p:nvGrpSpPr>
+      <p:grpSpPr>
+        <a:xfrm>
+          <a:off x="0" y="0"/>
+          <a:ext cx="0" cy="0"/>
+          <a:chOff x="0" y="0"/>
+          <a:chExt cx="0" cy="0"/>
+        </a:xfrm>
+      </p:grpSpPr>
+      <p:sp>
+        <p:nvSpPr>
           <p:cNvPr id="7" name="Title 6"/>
           <p:cNvSpPr>
             <a:spLocks noGrp="1"/>
@@ -5131,7 +5264,7 @@
 </p:sld>
 </file>
 
-<file path=ppt/slides/slide11.xml><?xml version="1.0" encoding="utf-8"?>
+<file path=ppt/slides/slide12.xml><?xml version="1.0" encoding="utf-8"?>
 <p:sld xmlns:a="http://schemas.openxmlformats.org/drawingml/2006/main" xmlns:r="http://schemas.openxmlformats.org/officeDocument/2006/relationships" xmlns:p="http://schemas.openxmlformats.org/presentationml/2006/main">
   <p:cSld>
     <p:spTree>
@@ -5302,7 +5435,7 @@
 </p:sld>
 </file>
 
-<file path=ppt/slides/slide12.xml><?xml version="1.0" encoding="utf-8"?>
+<file path=ppt/slides/slide13.xml><?xml version="1.0" encoding="utf-8"?>
 <p:sld xmlns:a="http://schemas.openxmlformats.org/drawingml/2006/main" xmlns:r="http://schemas.openxmlformats.org/officeDocument/2006/relationships" xmlns:p="http://schemas.openxmlformats.org/presentationml/2006/main">
   <p:cSld>
     <p:spTree>
@@ -5381,7 +5514,7 @@
 </p:sld>
 </file>
 
-<file path=ppt/slides/slide13.xml><?xml version="1.0" encoding="utf-8"?>
+<file path=ppt/slides/slide14.xml><?xml version="1.0" encoding="utf-8"?>
 <p:sld xmlns:a="http://schemas.openxmlformats.org/drawingml/2006/main" xmlns:r="http://schemas.openxmlformats.org/officeDocument/2006/relationships" xmlns:p="http://schemas.openxmlformats.org/presentationml/2006/main">
   <p:cSld>
     <p:spTree>
@@ -6324,6 +6457,69 @@
 </file>
 
 <file path=ppt/slides/slide4.xml><?xml version="1.0" encoding="utf-8"?>
+<p:sld xmlns:a="http://schemas.openxmlformats.org/drawingml/2006/main" xmlns:r="http://schemas.openxmlformats.org/officeDocument/2006/relationships" xmlns:p="http://schemas.openxmlformats.org/presentationml/2006/main">
+  <p:cSld>
+    <p:spTree>
+      <p:nvGrpSpPr>
+        <p:cNvPr id="1" name=""/>
+        <p:cNvGrpSpPr/>
+        <p:nvPr/>
+      </p:nvGrpSpPr>
+      <p:grpSpPr>
+        <a:xfrm>
+          <a:off x="0" y="0"/>
+          <a:ext cx="0" cy="0"/>
+          <a:chOff x="0" y="0"/>
+          <a:chExt cx="0" cy="0"/>
+        </a:xfrm>
+      </p:grpSpPr>
+      <p:pic>
+        <p:nvPicPr>
+          <p:cNvPr id="3" name="Content Placeholder 2"/>
+          <p:cNvPicPr>
+            <a:picLocks noGrp="1" noChangeAspect="1"/>
+          </p:cNvPicPr>
+          <p:nvPr>
+            <p:ph idx="1"/>
+          </p:nvPr>
+        </p:nvPicPr>
+        <p:blipFill>
+          <a:blip r:embed="rId2"/>
+          <a:stretch>
+            <a:fillRect/>
+          </a:stretch>
+        </p:blipFill>
+        <p:spPr>
+          <a:xfrm>
+            <a:off x="1534822" y="713985"/>
+            <a:ext cx="9060444" cy="5550680"/>
+          </a:xfrm>
+          <a:prstGeom prst="rect">
+            <a:avLst/>
+          </a:prstGeom>
+        </p:spPr>
+      </p:pic>
+    </p:spTree>
+    <p:extLst>
+      <p:ext uri="{BB962C8B-B14F-4D97-AF65-F5344CB8AC3E}">
+        <p14:creationId xmlns:p14="http://schemas.microsoft.com/office/powerpoint/2010/main" val="3076613097"/>
+      </p:ext>
+    </p:extLst>
+  </p:cSld>
+  <p:clrMapOvr>
+    <a:masterClrMapping/>
+  </p:clrMapOvr>
+  <p:timing>
+    <p:tnLst>
+      <p:par>
+        <p:cTn id="1" dur="indefinite" restart="never" nodeType="tmRoot"/>
+      </p:par>
+    </p:tnLst>
+  </p:timing>
+</p:sld>
+</file>
+
+<file path=ppt/slides/slide5.xml><?xml version="1.0" encoding="utf-8"?>
 <p:sld xmlns:a="http://schemas.openxmlformats.org/drawingml/2006/main" xmlns:r="http://schemas.openxmlformats.org/officeDocument/2006/relationships" xmlns:p="http://schemas.openxmlformats.org/presentationml/2006/main">
   <p:cSld>
     <p:spTree>
@@ -6433,7 +6629,7 @@
 </p:sld>
 </file>
 
-<file path=ppt/slides/slide5.xml><?xml version="1.0" encoding="utf-8"?>
+<file path=ppt/slides/slide6.xml><?xml version="1.0" encoding="utf-8"?>
 <p:sld xmlns:a="http://schemas.openxmlformats.org/drawingml/2006/main" xmlns:r="http://schemas.openxmlformats.org/officeDocument/2006/relationships" xmlns:p="http://schemas.openxmlformats.org/presentationml/2006/main">
   <p:cSld>
     <p:spTree>
@@ -6636,7 +6832,7 @@
 </p:sld>
 </file>
 
-<file path=ppt/slides/slide6.xml><?xml version="1.0" encoding="utf-8"?>
+<file path=ppt/slides/slide7.xml><?xml version="1.0" encoding="utf-8"?>
 <p:sld xmlns:a="http://schemas.openxmlformats.org/drawingml/2006/main" xmlns:r="http://schemas.openxmlformats.org/officeDocument/2006/relationships" xmlns:p="http://schemas.openxmlformats.org/presentationml/2006/main">
   <p:cSld>
     <p:spTree>
@@ -7320,7 +7516,7 @@
 </p:sld>
 </file>
 
-<file path=ppt/slides/slide7.xml><?xml version="1.0" encoding="utf-8"?>
+<file path=ppt/slides/slide8.xml><?xml version="1.0" encoding="utf-8"?>
 <p:sld xmlns:a="http://schemas.openxmlformats.org/drawingml/2006/main" xmlns:r="http://schemas.openxmlformats.org/officeDocument/2006/relationships" xmlns:p="http://schemas.openxmlformats.org/presentationml/2006/main">
   <p:cSld>
     <p:spTree>
@@ -7427,167 +7623,6 @@
 </p:sld>
 </file>
 
-<file path=ppt/slides/slide8.xml><?xml version="1.0" encoding="utf-8"?>
-<p:sld xmlns:a="http://schemas.openxmlformats.org/drawingml/2006/main" xmlns:r="http://schemas.openxmlformats.org/officeDocument/2006/relationships" xmlns:p="http://schemas.openxmlformats.org/presentationml/2006/main">
-  <p:cSld>
-    <p:spTree>
-      <p:nvGrpSpPr>
-        <p:cNvPr id="1" name=""/>
-        <p:cNvGrpSpPr/>
-        <p:nvPr/>
-      </p:nvGrpSpPr>
-      <p:grpSpPr>
-        <a:xfrm>
-          <a:off x="0" y="0"/>
-          <a:ext cx="0" cy="0"/>
-          <a:chOff x="0" y="0"/>
-          <a:chExt cx="0" cy="0"/>
-        </a:xfrm>
-      </p:grpSpPr>
-      <p:sp>
-        <p:nvSpPr>
-          <p:cNvPr id="2" name="Title 1"/>
-          <p:cNvSpPr>
-            <a:spLocks noGrp="1"/>
-          </p:cNvSpPr>
-          <p:nvPr>
-            <p:ph type="title"/>
-          </p:nvPr>
-        </p:nvSpPr>
-        <p:spPr/>
-        <p:txBody>
-          <a:bodyPr/>
-          <a:lstStyle/>
-          <a:p>
-            <a:r>
-              <a:rPr lang="en-US" dirty="0" smtClean="0"/>
-              <a:t>When to use?</a:t>
-            </a:r>
-            <a:endParaRPr lang="he-IL" dirty="0"/>
-          </a:p>
-        </p:txBody>
-      </p:sp>
-      <p:sp>
-        <p:nvSpPr>
-          <p:cNvPr id="3" name="Content Placeholder 2"/>
-          <p:cNvSpPr>
-            <a:spLocks noGrp="1"/>
-          </p:cNvSpPr>
-          <p:nvPr>
-            <p:ph idx="1"/>
-          </p:nvPr>
-        </p:nvSpPr>
-        <p:spPr/>
-        <p:txBody>
-          <a:bodyPr>
-            <a:normAutofit lnSpcReduction="10000"/>
-          </a:bodyPr>
-          <a:lstStyle/>
-          <a:p>
-            <a:pPr marL="0" indent="0">
-              <a:buNone/>
-            </a:pPr>
-            <a:r>
-              <a:rPr lang="en-US" dirty="0" smtClean="0"/>
-              <a:t>Let’s discuss how KNN behaves in regards to these topics:</a:t>
-            </a:r>
-          </a:p>
-          <a:p>
-            <a:pPr marL="457200" indent="-457200">
-              <a:buFont typeface="+mj-lt"/>
-              <a:buAutoNum type="arabicPeriod"/>
-            </a:pPr>
-            <a:r>
-              <a:rPr lang="en-US" dirty="0" smtClean="0"/>
-              <a:t>Scalability</a:t>
-            </a:r>
-          </a:p>
-          <a:p>
-            <a:pPr marL="457200" indent="-457200">
-              <a:buFont typeface="+mj-lt"/>
-              <a:buAutoNum type="arabicPeriod"/>
-            </a:pPr>
-            <a:r>
-              <a:rPr lang="en-US" dirty="0" smtClean="0"/>
-              <a:t>Speed of training</a:t>
-            </a:r>
-          </a:p>
-          <a:p>
-            <a:pPr marL="457200" indent="-457200">
-              <a:buFont typeface="+mj-lt"/>
-              <a:buAutoNum type="arabicPeriod"/>
-            </a:pPr>
-            <a:r>
-              <a:rPr lang="en-US" dirty="0" smtClean="0"/>
-              <a:t>Speed of prediction</a:t>
-            </a:r>
-          </a:p>
-          <a:p>
-            <a:pPr marL="457200" indent="-457200">
-              <a:buFont typeface="+mj-lt"/>
-              <a:buAutoNum type="arabicPeriod"/>
-            </a:pPr>
-            <a:r>
-              <a:rPr lang="en-US" dirty="0" smtClean="0"/>
-              <a:t>Interpretability</a:t>
-            </a:r>
-          </a:p>
-          <a:p>
-            <a:pPr marL="457200" indent="-457200">
-              <a:buFont typeface="+mj-lt"/>
-              <a:buAutoNum type="arabicPeriod"/>
-            </a:pPr>
-            <a:r>
-              <a:rPr lang="en-US" dirty="0" smtClean="0"/>
-              <a:t>Dimensionality</a:t>
-            </a:r>
-          </a:p>
-          <a:p>
-            <a:pPr marL="457200" indent="-457200">
-              <a:buFont typeface="+mj-lt"/>
-              <a:buAutoNum type="arabicPeriod"/>
-            </a:pPr>
-            <a:r>
-              <a:rPr lang="en-US" dirty="0" smtClean="0"/>
-              <a:t>Sensitivity to outliers</a:t>
-            </a:r>
-          </a:p>
-          <a:p>
-            <a:pPr marL="457200" indent="-457200">
-              <a:buFont typeface="+mj-lt"/>
-              <a:buAutoNum type="arabicPeriod"/>
-            </a:pPr>
-            <a:r>
-              <a:rPr lang="en-US" dirty="0" smtClean="0"/>
-              <a:t>Missing data</a:t>
-            </a:r>
-          </a:p>
-          <a:p>
-            <a:pPr marL="457200" indent="-457200">
-              <a:buFont typeface="+mj-lt"/>
-              <a:buAutoNum type="arabicPeriod"/>
-            </a:pPr>
-            <a:r>
-              <a:rPr lang="en-US" dirty="0" smtClean="0"/>
-              <a:t>Dependence on parameters</a:t>
-            </a:r>
-            <a:endParaRPr lang="he-IL" dirty="0"/>
-          </a:p>
-        </p:txBody>
-      </p:sp>
-    </p:spTree>
-    <p:extLst>
-      <p:ext uri="{BB962C8B-B14F-4D97-AF65-F5344CB8AC3E}">
-        <p14:creationId xmlns:p14="http://schemas.microsoft.com/office/powerpoint/2010/main" val="3673449316"/>
-      </p:ext>
-    </p:extLst>
-  </p:cSld>
-  <p:clrMapOvr>
-    <a:masterClrMapping/>
-  </p:clrMapOvr>
-</p:sld>
-</file>
-
 <file path=ppt/slides/slide9.xml><?xml version="1.0" encoding="utf-8"?>
 <p:sld xmlns:a="http://schemas.openxmlformats.org/drawingml/2006/main" xmlns:r="http://schemas.openxmlformats.org/officeDocument/2006/relationships" xmlns:p="http://schemas.openxmlformats.org/presentationml/2006/main">
   <p:cSld>
@@ -7607,7 +7642,7 @@
       </p:grpSpPr>
       <p:sp>
         <p:nvSpPr>
-          <p:cNvPr id="5" name="Title 4"/>
+          <p:cNvPr id="2" name="Title 1"/>
           <p:cNvSpPr>
             <a:spLocks noGrp="1"/>
           </p:cNvSpPr>
@@ -7622,86 +7657,115 @@
           <a:p>
             <a:r>
               <a:rPr lang="en-US" dirty="0" smtClean="0"/>
-              <a:t>Training And Test Errors</a:t>
+              <a:t>When to use?</a:t>
             </a:r>
             <a:endParaRPr lang="he-IL" dirty="0"/>
           </a:p>
         </p:txBody>
       </p:sp>
-      <p:pic>
-        <p:nvPicPr>
-          <p:cNvPr id="4" name="Content Placeholder 3"/>
-          <p:cNvPicPr>
-            <a:picLocks noGrp="1" noChangeAspect="1"/>
-          </p:cNvPicPr>
+      <p:sp>
+        <p:nvSpPr>
+          <p:cNvPr id="3" name="Content Placeholder 2"/>
+          <p:cNvSpPr>
+            <a:spLocks noGrp="1"/>
+          </p:cNvSpPr>
           <p:nvPr>
             <p:ph idx="1"/>
           </p:nvPr>
-        </p:nvPicPr>
-        <p:blipFill>
-          <a:blip r:embed="rId2"/>
-          <a:stretch>
-            <a:fillRect/>
-          </a:stretch>
-        </p:blipFill>
-        <p:spPr>
-          <a:xfrm>
-            <a:off x="5715000" y="171051"/>
-            <a:ext cx="5678488" cy="4375492"/>
-          </a:xfrm>
-          <a:prstGeom prst="rect">
-            <a:avLst/>
-          </a:prstGeom>
-        </p:spPr>
-      </p:pic>
-      <p:pic>
-        <p:nvPicPr>
-          <p:cNvPr id="7" name="Picture 6"/>
-          <p:cNvPicPr>
-            <a:picLocks noChangeAspect="1"/>
-          </p:cNvPicPr>
-          <p:nvPr/>
-        </p:nvPicPr>
-        <p:blipFill>
-          <a:blip r:embed="rId3"/>
-          <a:stretch>
-            <a:fillRect/>
-          </a:stretch>
-        </p:blipFill>
-        <p:spPr>
-          <a:xfrm>
-            <a:off x="914400" y="4735286"/>
-            <a:ext cx="7448550" cy="1409700"/>
-          </a:xfrm>
-          <a:prstGeom prst="rect">
-            <a:avLst/>
-          </a:prstGeom>
-        </p:spPr>
-      </p:pic>
-      <p:sp>
-        <p:nvSpPr>
-          <p:cNvPr id="6" name="Text Placeholder 5"/>
-          <p:cNvSpPr>
-            <a:spLocks noGrp="1"/>
-          </p:cNvSpPr>
-          <p:nvPr>
-            <p:ph type="body" sz="half" idx="2"/>
-          </p:nvPr>
         </p:nvSpPr>
         <p:spPr/>
         <p:txBody>
-          <a:bodyPr/>
+          <a:bodyPr>
+            <a:normAutofit lnSpcReduction="10000"/>
+          </a:bodyPr>
           <a:lstStyle/>
           <a:p>
+            <a:pPr marL="0" indent="0">
+              <a:buNone/>
+            </a:pPr>
             <a:r>
               <a:rPr lang="en-US" dirty="0" smtClean="0"/>
-              <a:t>This pattern is a common pattern for Machine Learning algorithms.</a:t>
-            </a:r>
-          </a:p>
-          <a:p>
+              <a:t>Let’s discuss how KNN behaves in regards to these topics:</a:t>
+            </a:r>
+          </a:p>
+          <a:p>
+            <a:pPr marL="457200" indent="-457200">
+              <a:buFont typeface="+mj-lt"/>
+              <a:buAutoNum type="arabicPeriod"/>
+            </a:pPr>
             <a:r>
               <a:rPr lang="en-US" dirty="0" smtClean="0"/>
-              <a:t>Can you explain the patterns?</a:t>
+              <a:t>Scalability</a:t>
+            </a:r>
+          </a:p>
+          <a:p>
+            <a:pPr marL="457200" indent="-457200">
+              <a:buFont typeface="+mj-lt"/>
+              <a:buAutoNum type="arabicPeriod"/>
+            </a:pPr>
+            <a:r>
+              <a:rPr lang="en-US" dirty="0" smtClean="0"/>
+              <a:t>Speed of training</a:t>
+            </a:r>
+          </a:p>
+          <a:p>
+            <a:pPr marL="457200" indent="-457200">
+              <a:buFont typeface="+mj-lt"/>
+              <a:buAutoNum type="arabicPeriod"/>
+            </a:pPr>
+            <a:r>
+              <a:rPr lang="en-US" dirty="0" smtClean="0"/>
+              <a:t>Speed of prediction</a:t>
+            </a:r>
+          </a:p>
+          <a:p>
+            <a:pPr marL="457200" indent="-457200">
+              <a:buFont typeface="+mj-lt"/>
+              <a:buAutoNum type="arabicPeriod"/>
+            </a:pPr>
+            <a:r>
+              <a:rPr lang="en-US" dirty="0" smtClean="0"/>
+              <a:t>Interpretability</a:t>
+            </a:r>
+          </a:p>
+          <a:p>
+            <a:pPr marL="457200" indent="-457200">
+              <a:buFont typeface="+mj-lt"/>
+              <a:buAutoNum type="arabicPeriod"/>
+            </a:pPr>
+            <a:r>
+              <a:rPr lang="en-US" dirty="0" smtClean="0"/>
+              <a:t>Dimensionality</a:t>
+            </a:r>
+          </a:p>
+          <a:p>
+            <a:pPr marL="457200" indent="-457200">
+              <a:buFont typeface="+mj-lt"/>
+              <a:buAutoNum type="arabicPeriod"/>
+            </a:pPr>
+            <a:r>
+              <a:rPr lang="en-US" dirty="0" smtClean="0"/>
+              <a:t>Sensitivity to outliers</a:t>
+            </a:r>
+          </a:p>
+          <a:p>
+            <a:pPr marL="457200" indent="-457200">
+              <a:buFont typeface="+mj-lt"/>
+              <a:buAutoNum type="arabicPeriod"/>
+            </a:pPr>
+            <a:r>
+              <a:rPr lang="en-US" dirty="0" smtClean="0"/>
+              <a:t>Missing data</a:t>
+            </a:r>
+          </a:p>
+          <a:p>
+            <a:pPr marL="457200" indent="-457200">
+              <a:buFont typeface="+mj-lt"/>
+              <a:buAutoNum type="arabicPeriod"/>
+            </a:pPr>
+            <a:r>
+              <a:rPr lang="en-US" dirty="0" smtClean="0"/>
+              <a:t>Dependence on parameters</a:t>
             </a:r>
             <a:endParaRPr lang="he-IL" dirty="0"/>
           </a:p>
@@ -7710,7 +7774,7 @@
     </p:spTree>
     <p:extLst>
       <p:ext uri="{BB962C8B-B14F-4D97-AF65-F5344CB8AC3E}">
-        <p14:creationId xmlns:p14="http://schemas.microsoft.com/office/powerpoint/2010/main" val="1773469882"/>
+        <p14:creationId xmlns:p14="http://schemas.microsoft.com/office/powerpoint/2010/main" val="3673449316"/>
       </p:ext>
     </p:extLst>
   </p:cSld>
